--- a/docs/part2os/05_Strings/OS_Lecture_05.pptx
+++ b/docs/part2os/05_Strings/OS_Lecture_05.pptx
@@ -142,7 +142,7 @@
   </p:defaultTextStyle>
   <p:extLst>
     <p:ext uri="{EFAFB233-063F-42B5-8137-9DF3F51BA10A}">
-      <p15:sldGuideLst xmlns="" xmlns:p15="http://schemas.microsoft.com/office/powerpoint/2012/main">
+      <p15:sldGuideLst xmlns:p15="http://schemas.microsoft.com/office/powerpoint/2012/main" xmlns="">
         <p15:guide id="1" orient="horz" pos="2160">
           <p15:clr>
             <a:srgbClr val="A4A3A4"/>
@@ -156,7 +156,7 @@
       </p15:sldGuideLst>
     </p:ext>
     <p:ext uri="{2D200454-40CA-4A62-9FC3-DE9A4176ACB9}">
-      <p15:notesGuideLst xmlns="" xmlns:p15="http://schemas.microsoft.com/office/powerpoint/2012/main">
+      <p15:notesGuideLst xmlns:p15="http://schemas.microsoft.com/office/powerpoint/2012/main" xmlns="">
         <p15:guide id="1" orient="horz" pos="2880">
           <p15:clr>
             <a:srgbClr val="A4A3A4"/>
@@ -340,7 +340,7 @@
     </p:spTree>
     <p:extLst>
       <p:ext uri="{BB962C8B-B14F-4D97-AF65-F5344CB8AC3E}">
-        <p14:creationId xmlns="" xmlns:p14="http://schemas.microsoft.com/office/powerpoint/2010/main" val="827279973"/>
+        <p14:creationId xmlns:p14="http://schemas.microsoft.com/office/powerpoint/2010/main" xmlns="" val="827279973"/>
       </p:ext>
     </p:extLst>
   </p:cSld>
@@ -601,7 +601,7 @@
     </p:spTree>
     <p:extLst>
       <p:ext uri="{BB962C8B-B14F-4D97-AF65-F5344CB8AC3E}">
-        <p14:creationId xmlns="" xmlns:p14="http://schemas.microsoft.com/office/powerpoint/2010/main" val="3865021395"/>
+        <p14:creationId xmlns:p14="http://schemas.microsoft.com/office/powerpoint/2010/main" xmlns="" val="3865021395"/>
       </p:ext>
     </p:extLst>
   </p:cSld>
@@ -815,7 +815,7 @@
     </p:spTree>
     <p:extLst>
       <p:ext uri="{BB962C8B-B14F-4D97-AF65-F5344CB8AC3E}">
-        <p14:creationId xmlns="" xmlns:p14="http://schemas.microsoft.com/office/powerpoint/2010/main" val="2381791527"/>
+        <p14:creationId xmlns:p14="http://schemas.microsoft.com/office/powerpoint/2010/main" xmlns="" val="2381791527"/>
       </p:ext>
     </p:extLst>
   </p:cSld>
@@ -2892,7 +2892,7 @@
     </p:spTree>
     <p:extLst>
       <p:ext uri="{BB962C8B-B14F-4D97-AF65-F5344CB8AC3E}">
-        <p14:creationId xmlns="" xmlns:p14="http://schemas.microsoft.com/office/powerpoint/2010/main" val="1915950851"/>
+        <p14:creationId xmlns:p14="http://schemas.microsoft.com/office/powerpoint/2010/main" xmlns="" val="1915950851"/>
       </p:ext>
     </p:extLst>
   </p:cSld>
@@ -3831,7 +3831,7 @@
     </p:spTree>
     <p:extLst>
       <p:ext uri="{BB962C8B-B14F-4D97-AF65-F5344CB8AC3E}">
-        <p14:creationId xmlns="" xmlns:p14="http://schemas.microsoft.com/office/powerpoint/2010/main" val="322455162"/>
+        <p14:creationId xmlns:p14="http://schemas.microsoft.com/office/powerpoint/2010/main" xmlns="" val="322455162"/>
       </p:ext>
     </p:extLst>
   </p:cSld>
@@ -4005,7 +4005,7 @@
     </p:spTree>
     <p:extLst>
       <p:ext uri="{BB962C8B-B14F-4D97-AF65-F5344CB8AC3E}">
-        <p14:creationId xmlns="" xmlns:p14="http://schemas.microsoft.com/office/powerpoint/2010/main" val="971117636"/>
+        <p14:creationId xmlns:p14="http://schemas.microsoft.com/office/powerpoint/2010/main" xmlns="" val="971117636"/>
       </p:ext>
     </p:extLst>
   </p:cSld>
@@ -4182,7 +4182,7 @@
     </p:spTree>
     <p:extLst>
       <p:ext uri="{BB962C8B-B14F-4D97-AF65-F5344CB8AC3E}">
-        <p14:creationId xmlns="" xmlns:p14="http://schemas.microsoft.com/office/powerpoint/2010/main" val="3348877825"/>
+        <p14:creationId xmlns:p14="http://schemas.microsoft.com/office/powerpoint/2010/main" xmlns="" val="3348877825"/>
       </p:ext>
     </p:extLst>
   </p:cSld>
@@ -4507,7 +4507,7 @@
     </p:spTree>
     <p:extLst>
       <p:ext uri="{BB962C8B-B14F-4D97-AF65-F5344CB8AC3E}">
-        <p14:creationId xmlns="" xmlns:p14="http://schemas.microsoft.com/office/powerpoint/2010/main" val="3256953994"/>
+        <p14:creationId xmlns:p14="http://schemas.microsoft.com/office/powerpoint/2010/main" xmlns="" val="3256953994"/>
       </p:ext>
     </p:extLst>
   </p:cSld>
@@ -4757,7 +4757,7 @@
     </p:spTree>
     <p:extLst>
       <p:ext uri="{BB962C8B-B14F-4D97-AF65-F5344CB8AC3E}">
-        <p14:creationId xmlns="" xmlns:p14="http://schemas.microsoft.com/office/powerpoint/2010/main" val="3067076846"/>
+        <p14:creationId xmlns:p14="http://schemas.microsoft.com/office/powerpoint/2010/main" xmlns="" val="3067076846"/>
       </p:ext>
     </p:extLst>
   </p:cSld>
@@ -4993,7 +4993,7 @@
     </p:spTree>
     <p:extLst>
       <p:ext uri="{BB962C8B-B14F-4D97-AF65-F5344CB8AC3E}">
-        <p14:creationId xmlns="" xmlns:p14="http://schemas.microsoft.com/office/powerpoint/2010/main" val="3710015975"/>
+        <p14:creationId xmlns:p14="http://schemas.microsoft.com/office/powerpoint/2010/main" xmlns="" val="3710015975"/>
       </p:ext>
     </p:extLst>
   </p:cSld>
@@ -5364,7 +5364,7 @@
     </p:spTree>
     <p:extLst>
       <p:ext uri="{BB962C8B-B14F-4D97-AF65-F5344CB8AC3E}">
-        <p14:creationId xmlns="" xmlns:p14="http://schemas.microsoft.com/office/powerpoint/2010/main" val="4075590966"/>
+        <p14:creationId xmlns:p14="http://schemas.microsoft.com/office/powerpoint/2010/main" xmlns="" val="4075590966"/>
       </p:ext>
     </p:extLst>
   </p:cSld>
@@ -5486,7 +5486,7 @@
     </p:spTree>
     <p:extLst>
       <p:ext uri="{BB962C8B-B14F-4D97-AF65-F5344CB8AC3E}">
-        <p14:creationId xmlns="" xmlns:p14="http://schemas.microsoft.com/office/powerpoint/2010/main" val="2889604898"/>
+        <p14:creationId xmlns:p14="http://schemas.microsoft.com/office/powerpoint/2010/main" xmlns="" val="2889604898"/>
       </p:ext>
     </p:extLst>
   </p:cSld>
@@ -5585,7 +5585,7 @@
     </p:spTree>
     <p:extLst>
       <p:ext uri="{BB962C8B-B14F-4D97-AF65-F5344CB8AC3E}">
-        <p14:creationId xmlns="" xmlns:p14="http://schemas.microsoft.com/office/powerpoint/2010/main" val="152384765"/>
+        <p14:creationId xmlns:p14="http://schemas.microsoft.com/office/powerpoint/2010/main" xmlns="" val="152384765"/>
       </p:ext>
     </p:extLst>
   </p:cSld>
@@ -5866,7 +5866,7 @@
     </p:spTree>
     <p:extLst>
       <p:ext uri="{BB962C8B-B14F-4D97-AF65-F5344CB8AC3E}">
-        <p14:creationId xmlns="" xmlns:p14="http://schemas.microsoft.com/office/powerpoint/2010/main" val="2127791886"/>
+        <p14:creationId xmlns:p14="http://schemas.microsoft.com/office/powerpoint/2010/main" xmlns="" val="2127791886"/>
       </p:ext>
     </p:extLst>
   </p:cSld>
@@ -6123,7 +6123,7 @@
     </p:spTree>
     <p:extLst>
       <p:ext uri="{BB962C8B-B14F-4D97-AF65-F5344CB8AC3E}">
-        <p14:creationId xmlns="" xmlns:p14="http://schemas.microsoft.com/office/powerpoint/2010/main" val="1752705130"/>
+        <p14:creationId xmlns:p14="http://schemas.microsoft.com/office/powerpoint/2010/main" xmlns="" val="1752705130"/>
       </p:ext>
     </p:extLst>
   </p:cSld>
@@ -6376,7 +6376,7 @@
     </p:spTree>
     <p:extLst>
       <p:ext uri="{BB962C8B-B14F-4D97-AF65-F5344CB8AC3E}">
-        <p14:creationId xmlns="" xmlns:p14="http://schemas.microsoft.com/office/powerpoint/2010/main" val="968833914"/>
+        <p14:creationId xmlns:p14="http://schemas.microsoft.com/office/powerpoint/2010/main" xmlns="" val="968833914"/>
       </p:ext>
     </p:extLst>
   </p:cSld>
@@ -6763,11 +6763,7 @@
             </a:r>
             <a:r>
               <a:rPr lang="en-US" b="1" dirty="0" smtClean="0"/>
-              <a:t>: </a:t>
-            </a:r>
-            <a:r>
-              <a:rPr lang="en-US" b="1" dirty="0" smtClean="0"/>
-              <a:t>Dynamic Memory Allocation</a:t>
+              <a:t>: Dynamic Memory Allocation</a:t>
             </a:r>
             <a:endParaRPr lang="en-US" b="1" dirty="0"/>
           </a:p>
@@ -6870,7 +6866,7 @@
     </p:spTree>
     <p:extLst>
       <p:ext uri="{BB962C8B-B14F-4D97-AF65-F5344CB8AC3E}">
-        <p14:creationId xmlns="" xmlns:p14="http://schemas.microsoft.com/office/powerpoint/2010/main" val="2492894732"/>
+        <p14:creationId xmlns:p14="http://schemas.microsoft.com/office/powerpoint/2010/main" xmlns="" val="2492894732"/>
       </p:ext>
     </p:extLst>
   </p:cSld>
@@ -11947,10 +11943,10 @@
           <a:lstStyle/>
           <a:p>
             <a:r>
-              <a:rPr lang="en-US" smtClean="0"/>
+              <a:rPr lang="en-US" dirty="0" smtClean="0"/>
               <a:t>Implementation Issues</a:t>
             </a:r>
-            <a:endParaRPr lang="en-US"/>
+            <a:endParaRPr lang="en-US" dirty="0"/>
           </a:p>
         </p:txBody>
       </p:sp>
@@ -12000,11 +11996,7 @@
             </a:pPr>
             <a:r>
               <a:rPr lang="en-US" dirty="0" smtClean="0"/>
-              <a:t>How </a:t>
-            </a:r>
-            <a:r>
-              <a:rPr lang="en-US" dirty="0" smtClean="0"/>
-              <a:t>do we keep track of the free blocks?</a:t>
+              <a:t>How do we keep track of the free blocks?</a:t>
             </a:r>
           </a:p>
           <a:p>
@@ -12018,11 +12010,7 @@
             </a:pPr>
             <a:r>
               <a:rPr lang="en-US" dirty="0" smtClean="0"/>
-              <a:t>What </a:t>
-            </a:r>
-            <a:r>
-              <a:rPr lang="en-US" dirty="0" smtClean="0"/>
-              <a:t>do we do with the extra space when allocating a structure that is smaller than the free block it is placed in?</a:t>
+              <a:t>What do we do with the extra space when allocating a structure that is smaller than the free block it is placed in?</a:t>
             </a:r>
           </a:p>
           <a:p>
@@ -12036,11 +12024,7 @@
             </a:pPr>
             <a:r>
               <a:rPr lang="en-US" dirty="0" smtClean="0"/>
-              <a:t>How </a:t>
-            </a:r>
-            <a:r>
-              <a:rPr lang="en-US" dirty="0" smtClean="0"/>
-              <a:t>do we pick a block to use for allocation -- many might fit?</a:t>
+              <a:t>How do we pick a block to use for allocation -- many might fit?</a:t>
             </a:r>
           </a:p>
           <a:p>
@@ -12054,11 +12038,7 @@
             </a:pPr>
             <a:r>
               <a:rPr lang="en-US" dirty="0" smtClean="0"/>
-              <a:t>How </a:t>
-            </a:r>
-            <a:r>
-              <a:rPr lang="en-US" dirty="0" smtClean="0"/>
-              <a:t>do we reinsert freed block?</a:t>
+              <a:t>How do we reinsert freed block?</a:t>
             </a:r>
           </a:p>
           <a:p>
@@ -15056,11 +15036,7 @@
             </a:pPr>
             <a:r>
               <a:rPr lang="en-US" sz="4000" dirty="0" smtClean="0"/>
-              <a:t>Method </a:t>
-            </a:r>
-            <a:r>
-              <a:rPr lang="en-US" sz="4000" dirty="0" smtClean="0"/>
-              <a:t>4: </a:t>
+              <a:t>Method 4: </a:t>
             </a:r>
             <a:r>
               <a:rPr lang="en-GB" sz="4000" i="1" dirty="0" smtClean="0">
@@ -22703,7 +22679,7 @@
         </p:spPr>
         <p:txBody>
           <a:bodyPr>
-            <a:normAutofit/>
+            <a:noAutofit/>
           </a:bodyPr>
           <a:lstStyle/>
           <a:p>
@@ -22724,7 +22700,7 @@
               </a:tabLst>
             </a:pPr>
             <a:r>
-              <a:rPr lang="en-GB" sz="4400" dirty="0"/>
+              <a:rPr lang="en-GB" dirty="0"/>
               <a:t>Implicit List: Allocating in Free Block</a:t>
             </a:r>
           </a:p>
@@ -26404,7 +26380,7 @@
         </p:spPr>
         <p:txBody>
           <a:bodyPr>
-            <a:normAutofit/>
+            <a:noAutofit/>
           </a:bodyPr>
           <a:lstStyle/>
           <a:p>
@@ -29412,7 +29388,7 @@
         </p:spPr>
         <p:txBody>
           <a:bodyPr>
-            <a:normAutofit fontScale="90000"/>
+            <a:noAutofit/>
           </a:bodyPr>
           <a:lstStyle/>
           <a:p>
@@ -35369,7 +35345,7 @@
         </p:spPr>
         <p:txBody>
           <a:bodyPr>
-            <a:normAutofit fontScale="90000"/>
+            <a:noAutofit/>
           </a:bodyPr>
           <a:lstStyle/>
           <a:p>
@@ -44770,7 +44746,9 @@
         </p:nvSpPr>
         <p:spPr/>
         <p:txBody>
-          <a:bodyPr/>
+          <a:bodyPr>
+            <a:normAutofit/>
+          </a:bodyPr>
           <a:lstStyle/>
           <a:p>
             <a:r>
@@ -45588,11 +45566,7 @@
           <a:p>
             <a:r>
               <a:rPr lang="en-US" dirty="0" smtClean="0"/>
-              <a:t>Will </a:t>
-            </a:r>
-            <a:r>
-              <a:rPr lang="en-US" dirty="0" smtClean="0"/>
-              <a:t>discuss simple explicit memory allocation today</a:t>
+              <a:t>Will discuss simple explicit memory allocation today</a:t>
             </a:r>
             <a:endParaRPr lang="en-US" dirty="0"/>
           </a:p>
@@ -46647,7 +46621,7 @@
     </p:spTree>
     <p:extLst>
       <p:ext uri="{BB962C8B-B14F-4D97-AF65-F5344CB8AC3E}">
-        <p14:creationId xmlns="" xmlns:p14="http://schemas.microsoft.com/office/powerpoint/2010/main" val="4217875043"/>
+        <p14:creationId xmlns:p14="http://schemas.microsoft.com/office/powerpoint/2010/main" xmlns="" val="4217875043"/>
       </p:ext>
     </p:extLst>
   </p:cSld>
@@ -46700,7 +46674,7 @@
         </p:spPr>
         <p:txBody>
           <a:bodyPr>
-            <a:normAutofit fontScale="90000"/>
+            <a:noAutofit/>
           </a:bodyPr>
           <a:lstStyle/>
           <a:p>
@@ -48548,7 +48522,7 @@
         </p:spPr>
         <p:txBody>
           <a:bodyPr>
-            <a:normAutofit fontScale="90000"/>
+            <a:noAutofit/>
           </a:bodyPr>
           <a:lstStyle/>
           <a:p>
@@ -52419,14 +52393,14 @@
         </p:nvSpPr>
         <p:spPr>
           <a:xfrm>
-            <a:off x="457200" y="381000"/>
-            <a:ext cx="7366000" cy="573088"/>
+            <a:off x="838200" y="152400"/>
+            <a:ext cx="10515600" cy="787400"/>
           </a:xfrm>
           <a:ln/>
         </p:spPr>
         <p:txBody>
           <a:bodyPr>
-            <a:normAutofit fontScale="90000"/>
+            <a:normAutofit/>
           </a:bodyPr>
           <a:lstStyle/>
           <a:p>
@@ -52447,7 +52421,7 @@
               </a:tabLst>
             </a:pPr>
             <a:r>
-              <a:rPr lang="en-GB"/>
+              <a:rPr lang="en-GB" dirty="0"/>
               <a:t>Constraints</a:t>
             </a:r>
           </a:p>
@@ -53073,7 +53047,7 @@
         </p:spPr>
         <p:txBody>
           <a:bodyPr>
-            <a:normAutofit fontScale="90000"/>
+            <a:noAutofit/>
           </a:bodyPr>
           <a:lstStyle/>
           <a:p>
@@ -53508,7 +53482,7 @@
         </p:spPr>
         <p:txBody>
           <a:bodyPr>
-            <a:normAutofit fontScale="90000"/>
+            <a:noAutofit/>
           </a:bodyPr>
           <a:lstStyle/>
           <a:p>
@@ -53529,15 +53503,15 @@
               </a:tabLst>
             </a:pPr>
             <a:r>
-              <a:rPr lang="en-GB" dirty="0"/>
+              <a:rPr lang="en-GB" sz="4400" dirty="0"/>
               <a:t>Performance </a:t>
             </a:r>
             <a:r>
-              <a:rPr lang="en-GB" dirty="0" smtClean="0"/>
+              <a:rPr lang="en-GB" sz="4400" dirty="0" smtClean="0"/>
               <a:t>Goal: Peak </a:t>
             </a:r>
             <a:r>
-              <a:rPr lang="en-GB" dirty="0"/>
+              <a:rPr lang="en-GB" sz="4400" dirty="0"/>
               <a:t>Memory Utilization</a:t>
             </a:r>
           </a:p>
@@ -54762,7 +54736,7 @@
   <a:extraClrSchemeLst/>
   <a:extLst>
     <a:ext uri="{05A4C25C-085E-4340-85A3-A5531E510DB2}">
-      <thm15:themeFamily xmlns="" xmlns:thm15="http://schemas.microsoft.com/office/thememl/2012/main" name="Office Theme" id="{62F939B6-93AF-4DB8-9C6B-D6C7DFDC589F}" vid="{4A3C46E8-61CC-4603-A589-7422A47A8E4A}"/>
+      <thm15:themeFamily xmlns:thm15="http://schemas.microsoft.com/office/thememl/2012/main" xmlns="" name="Office Theme" id="{62F939B6-93AF-4DB8-9C6B-D6C7DFDC589F}" vid="{4A3C46E8-61CC-4603-A589-7422A47A8E4A}"/>
     </a:ext>
   </a:extLst>
 </a:theme>
@@ -55023,7 +54997,7 @@
   <a:extraClrSchemeLst/>
   <a:extLst>
     <a:ext uri="{05A4C25C-085E-4340-85A3-A5531E510DB2}">
-      <thm15:themeFamily xmlns="" xmlns:thm15="http://schemas.microsoft.com/office/thememl/2012/main" name="Office Theme" id="{62F939B6-93AF-4DB8-9C6B-D6C7DFDC589F}" vid="{4A3C46E8-61CC-4603-A589-7422A47A8E4A}"/>
+      <thm15:themeFamily xmlns:thm15="http://schemas.microsoft.com/office/thememl/2012/main" xmlns="" name="Office Theme" id="{62F939B6-93AF-4DB8-9C6B-D6C7DFDC589F}" vid="{4A3C46E8-61CC-4603-A589-7422A47A8E4A}"/>
     </a:ext>
   </a:extLst>
 </a:theme>
@@ -55284,7 +55258,7 @@
   <a:extraClrSchemeLst/>
   <a:extLst>
     <a:ext uri="{05A4C25C-085E-4340-85A3-A5531E510DB2}">
-      <thm15:themeFamily xmlns="" xmlns:thm15="http://schemas.microsoft.com/office/thememl/2012/main" name="Office Theme" id="{62F939B6-93AF-4DB8-9C6B-D6C7DFDC589F}" vid="{4A3C46E8-61CC-4603-A589-7422A47A8E4A}"/>
+      <thm15:themeFamily xmlns:thm15="http://schemas.microsoft.com/office/thememl/2012/main" xmlns="" name="Office Theme" id="{62F939B6-93AF-4DB8-9C6B-D6C7DFDC589F}" vid="{4A3C46E8-61CC-4603-A589-7422A47A8E4A}"/>
     </a:ext>
   </a:extLst>
 </a:theme>
